--- a/doc/4、设计/架构图设计.pptx
+++ b/doc/4、设计/架构图设计.pptx
@@ -104,6 +104,11 @@
       </a:defRPr>
     </a:lvl9pPr>
   </p:defaultTextStyle>
+  <p:extLst>
+    <p:ext uri="{EFAFB233-063F-42B5-8137-9DF3F51BA10A}">
+      <p15:sldGuideLst xmlns:p15="http://schemas.microsoft.com/office/powerpoint/2012/main"/>
+    </p:ext>
+  </p:extLst>
 </p:presentation>
 </file>
 
@@ -238,7 +243,7 @@
           <a:p>
             <a:fld id="{9C4FC859-AFC5-4596-8B4B-1B858FC8027D}" type="datetimeFigureOut">
               <a:rPr lang="zh-CN" altLang="en-US" smtClean="0"/>
-              <a:t>2016-12-2</a:t>
+              <a:t>2016-12-7</a:t>
             </a:fld>
             <a:endParaRPr lang="zh-CN" altLang="en-US"/>
           </a:p>
@@ -408,7 +413,7 @@
           <a:p>
             <a:fld id="{9C4FC859-AFC5-4596-8B4B-1B858FC8027D}" type="datetimeFigureOut">
               <a:rPr lang="zh-CN" altLang="en-US" smtClean="0"/>
-              <a:t>2016-12-2</a:t>
+              <a:t>2016-12-7</a:t>
             </a:fld>
             <a:endParaRPr lang="zh-CN" altLang="en-US"/>
           </a:p>
@@ -588,7 +593,7 @@
           <a:p>
             <a:fld id="{9C4FC859-AFC5-4596-8B4B-1B858FC8027D}" type="datetimeFigureOut">
               <a:rPr lang="zh-CN" altLang="en-US" smtClean="0"/>
-              <a:t>2016-12-2</a:t>
+              <a:t>2016-12-7</a:t>
             </a:fld>
             <a:endParaRPr lang="zh-CN" altLang="en-US"/>
           </a:p>
@@ -758,7 +763,7 @@
           <a:p>
             <a:fld id="{9C4FC859-AFC5-4596-8B4B-1B858FC8027D}" type="datetimeFigureOut">
               <a:rPr lang="zh-CN" altLang="en-US" smtClean="0"/>
-              <a:t>2016-12-2</a:t>
+              <a:t>2016-12-7</a:t>
             </a:fld>
             <a:endParaRPr lang="zh-CN" altLang="en-US"/>
           </a:p>
@@ -1004,7 +1009,7 @@
           <a:p>
             <a:fld id="{9C4FC859-AFC5-4596-8B4B-1B858FC8027D}" type="datetimeFigureOut">
               <a:rPr lang="zh-CN" altLang="en-US" smtClean="0"/>
-              <a:t>2016-12-2</a:t>
+              <a:t>2016-12-7</a:t>
             </a:fld>
             <a:endParaRPr lang="zh-CN" altLang="en-US"/>
           </a:p>
@@ -1236,7 +1241,7 @@
           <a:p>
             <a:fld id="{9C4FC859-AFC5-4596-8B4B-1B858FC8027D}" type="datetimeFigureOut">
               <a:rPr lang="zh-CN" altLang="en-US" smtClean="0"/>
-              <a:t>2016-12-2</a:t>
+              <a:t>2016-12-7</a:t>
             </a:fld>
             <a:endParaRPr lang="zh-CN" altLang="en-US"/>
           </a:p>
@@ -1603,7 +1608,7 @@
           <a:p>
             <a:fld id="{9C4FC859-AFC5-4596-8B4B-1B858FC8027D}" type="datetimeFigureOut">
               <a:rPr lang="zh-CN" altLang="en-US" smtClean="0"/>
-              <a:t>2016-12-2</a:t>
+              <a:t>2016-12-7</a:t>
             </a:fld>
             <a:endParaRPr lang="zh-CN" altLang="en-US"/>
           </a:p>
@@ -1721,7 +1726,7 @@
           <a:p>
             <a:fld id="{9C4FC859-AFC5-4596-8B4B-1B858FC8027D}" type="datetimeFigureOut">
               <a:rPr lang="zh-CN" altLang="en-US" smtClean="0"/>
-              <a:t>2016-12-2</a:t>
+              <a:t>2016-12-7</a:t>
             </a:fld>
             <a:endParaRPr lang="zh-CN" altLang="en-US"/>
           </a:p>
@@ -1816,7 +1821,7 @@
           <a:p>
             <a:fld id="{9C4FC859-AFC5-4596-8B4B-1B858FC8027D}" type="datetimeFigureOut">
               <a:rPr lang="zh-CN" altLang="en-US" smtClean="0"/>
-              <a:t>2016-12-2</a:t>
+              <a:t>2016-12-7</a:t>
             </a:fld>
             <a:endParaRPr lang="zh-CN" altLang="en-US"/>
           </a:p>
@@ -2093,7 +2098,7 @@
           <a:p>
             <a:fld id="{9C4FC859-AFC5-4596-8B4B-1B858FC8027D}" type="datetimeFigureOut">
               <a:rPr lang="zh-CN" altLang="en-US" smtClean="0"/>
-              <a:t>2016-12-2</a:t>
+              <a:t>2016-12-7</a:t>
             </a:fld>
             <a:endParaRPr lang="zh-CN" altLang="en-US"/>
           </a:p>
@@ -2346,7 +2351,7 @@
           <a:p>
             <a:fld id="{9C4FC859-AFC5-4596-8B4B-1B858FC8027D}" type="datetimeFigureOut">
               <a:rPr lang="zh-CN" altLang="en-US" smtClean="0"/>
-              <a:t>2016-12-2</a:t>
+              <a:t>2016-12-7</a:t>
             </a:fld>
             <a:endParaRPr lang="zh-CN" altLang="en-US"/>
           </a:p>
@@ -2559,7 +2564,7 @@
           <a:p>
             <a:fld id="{9C4FC859-AFC5-4596-8B4B-1B858FC8027D}" type="datetimeFigureOut">
               <a:rPr lang="zh-CN" altLang="en-US" smtClean="0"/>
-              <a:t>2016-12-2</a:t>
+              <a:t>2016-12-7</a:t>
             </a:fld>
             <a:endParaRPr lang="zh-CN" altLang="en-US"/>
           </a:p>
@@ -3526,7 +3531,7 @@
                     <a:schemeClr val="tx1"/>
                   </a:solidFill>
                 </a:rPr>
-                <a:t>统计图</a:t>
+                <a:t>客户管理</a:t>
               </a:r>
               <a:endParaRPr lang="zh-CN" altLang="en-US" dirty="0">
                 <a:solidFill>
@@ -3584,7 +3589,7 @@
                     <a:schemeClr val="tx1"/>
                   </a:solidFill>
                 </a:rPr>
-                <a:t>人员信息统计</a:t>
+                <a:t>插播频道管理</a:t>
               </a:r>
               <a:endParaRPr lang="zh-CN" altLang="en-US" dirty="0">
                 <a:solidFill>
@@ -3642,7 +3647,7 @@
                     <a:schemeClr val="tx1"/>
                   </a:solidFill>
                 </a:rPr>
-                <a:t>基本情况统计</a:t>
+                <a:t>购买音乐管理</a:t>
               </a:r>
               <a:endParaRPr lang="zh-CN" altLang="en-US" dirty="0">
                 <a:solidFill>
@@ -3661,10 +3666,10 @@
         </p:nvGrpSpPr>
         <p:grpSpPr>
           <a:xfrm>
-            <a:off x="5244181" y="2209798"/>
-            <a:ext cx="1777101" cy="1937662"/>
+            <a:off x="5701375" y="2209798"/>
+            <a:ext cx="808270" cy="1937661"/>
             <a:chOff x="3360956" y="3102424"/>
-            <a:chExt cx="1777101" cy="2318659"/>
+            <a:chExt cx="808270" cy="2318658"/>
           </a:xfrm>
         </p:grpSpPr>
         <p:sp>
@@ -3714,7 +3719,7 @@
                     <a:schemeClr val="tx1"/>
                   </a:solidFill>
                 </a:rPr>
-                <a:t>学习教育</a:t>
+                <a:t>行业管理</a:t>
               </a:r>
               <a:endParaRPr lang="zh-CN" altLang="en-US" dirty="0">
                 <a:solidFill>
@@ -3771,121 +3776,7 @@
                     <a:schemeClr val="tx1"/>
                   </a:solidFill>
                 </a:rPr>
-                <a:t>问题活动</a:t>
-              </a:r>
-              <a:endParaRPr lang="zh-CN" altLang="en-US" dirty="0">
-                <a:solidFill>
-                  <a:schemeClr val="tx1"/>
-                </a:solidFill>
-              </a:endParaRPr>
-            </a:p>
-          </p:txBody>
-        </p:sp>
-        <p:sp>
-          <p:nvSpPr>
-            <p:cNvPr id="22" name="圆角矩形 21"/>
-            <p:cNvSpPr/>
-            <p:nvPr/>
-          </p:nvSpPr>
-          <p:spPr>
-            <a:xfrm>
-              <a:off x="4370612" y="3102426"/>
-              <a:ext cx="293915" cy="2318657"/>
-            </a:xfrm>
-            <a:prstGeom prst="roundRect">
-              <a:avLst/>
-            </a:prstGeom>
-            <a:solidFill>
-              <a:schemeClr val="bg1">
-                <a:lumMod val="75000"/>
-              </a:schemeClr>
-            </a:solidFill>
-          </p:spPr>
-          <p:style>
-            <a:lnRef idx="2">
-              <a:schemeClr val="accent1">
-                <a:shade val="50000"/>
-              </a:schemeClr>
-            </a:lnRef>
-            <a:fillRef idx="1">
-              <a:schemeClr val="accent1"/>
-            </a:fillRef>
-            <a:effectRef idx="0">
-              <a:schemeClr val="accent1"/>
-            </a:effectRef>
-            <a:fontRef idx="minor">
-              <a:schemeClr val="lt1"/>
-            </a:fontRef>
-          </p:style>
-          <p:txBody>
-            <a:bodyPr rtlCol="0" anchor="ctr"/>
-            <a:lstStyle/>
-            <a:p>
-              <a:pPr algn="ctr"/>
-              <a:r>
-                <a:rPr lang="zh-CN" altLang="en-US" dirty="0" smtClean="0">
-                  <a:solidFill>
-                    <a:schemeClr val="tx1"/>
-                  </a:solidFill>
-                </a:rPr>
-                <a:t>外出参观</a:t>
-              </a:r>
-              <a:endParaRPr lang="zh-CN" altLang="en-US" dirty="0">
-                <a:solidFill>
-                  <a:schemeClr val="tx1"/>
-                </a:solidFill>
-              </a:endParaRPr>
-            </a:p>
-          </p:txBody>
-        </p:sp>
-        <p:sp>
-          <p:nvSpPr>
-            <p:cNvPr id="23" name="圆角矩形 22"/>
-            <p:cNvSpPr/>
-            <p:nvPr/>
-          </p:nvSpPr>
-          <p:spPr>
-            <a:xfrm>
-              <a:off x="4844142" y="3102425"/>
-              <a:ext cx="293915" cy="2318657"/>
-            </a:xfrm>
-            <a:prstGeom prst="roundRect">
-              <a:avLst/>
-            </a:prstGeom>
-            <a:solidFill>
-              <a:schemeClr val="bg1">
-                <a:lumMod val="75000"/>
-              </a:schemeClr>
-            </a:solidFill>
-          </p:spPr>
-          <p:style>
-            <a:lnRef idx="2">
-              <a:schemeClr val="accent1">
-                <a:shade val="50000"/>
-              </a:schemeClr>
-            </a:lnRef>
-            <a:fillRef idx="1">
-              <a:schemeClr val="accent1"/>
-            </a:fillRef>
-            <a:effectRef idx="0">
-              <a:schemeClr val="accent1"/>
-            </a:effectRef>
-            <a:fontRef idx="minor">
-              <a:schemeClr val="lt1"/>
-            </a:fontRef>
-          </p:style>
-          <p:txBody>
-            <a:bodyPr rtlCol="0" anchor="ctr"/>
-            <a:lstStyle/>
-            <a:p>
-              <a:pPr algn="ctr"/>
-              <a:r>
-                <a:rPr lang="zh-CN" altLang="en-US" dirty="0" smtClean="0">
-                  <a:solidFill>
-                    <a:schemeClr val="tx1"/>
-                  </a:solidFill>
-                </a:rPr>
-                <a:t>走访慰问</a:t>
+                <a:t>频道管理</a:t>
               </a:r>
               <a:endParaRPr lang="zh-CN" altLang="en-US" dirty="0">
                 <a:solidFill>
@@ -4147,7 +4038,7 @@
           <p:spPr>
             <a:xfrm>
               <a:off x="11072141" y="3102422"/>
-              <a:ext cx="293915" cy="2318657"/>
+              <a:ext cx="293915" cy="2318656"/>
             </a:xfrm>
             <a:prstGeom prst="roundRect">
               <a:avLst/>
@@ -4180,12 +4071,12 @@
             <a:p>
               <a:pPr algn="ctr"/>
               <a:r>
-                <a:rPr lang="zh-CN" altLang="en-US" dirty="0" smtClean="0">
+                <a:rPr lang="zh-CN" altLang="en-US" dirty="0">
                   <a:solidFill>
                     <a:schemeClr val="tx1"/>
                   </a:solidFill>
                 </a:rPr>
-                <a:t>基础代码管理</a:t>
+                <a:t>日志管理</a:t>
               </a:r>
               <a:endParaRPr lang="zh-CN" altLang="en-US" dirty="0">
                 <a:solidFill>
@@ -4382,43 +4273,8 @@
         </p:nvCxnSpPr>
         <p:spPr>
           <a:xfrm rot="5400000">
-            <a:off x="5572121" y="1702247"/>
-            <a:ext cx="326569" cy="688532"/>
-          </a:xfrm>
-          <a:prstGeom prst="bentConnector3">
-            <a:avLst>
-              <a:gd name="adj1" fmla="val 50000"/>
-            </a:avLst>
-          </a:prstGeom>
-        </p:spPr>
-        <p:style>
-          <a:lnRef idx="1">
-            <a:schemeClr val="accent1"/>
-          </a:lnRef>
-          <a:fillRef idx="0">
-            <a:schemeClr val="accent1"/>
-          </a:fillRef>
-          <a:effectRef idx="0">
-            <a:schemeClr val="accent1"/>
-          </a:effectRef>
-          <a:fontRef idx="minor">
-            <a:schemeClr val="tx1"/>
-          </a:fontRef>
-        </p:style>
-      </p:cxnSp>
-      <p:cxnSp>
-        <p:nvCxnSpPr>
-          <p:cNvPr id="36" name="肘形连接符 35"/>
-          <p:cNvCxnSpPr>
-            <a:stCxn id="9" idx="2"/>
-            <a:endCxn id="22" idx="0"/>
-          </p:cNvCxnSpPr>
-          <p:nvPr/>
-        </p:nvCxnSpPr>
-        <p:spPr>
-          <a:xfrm rot="16200000" flipH="1">
-            <a:off x="6076948" y="1885952"/>
-            <a:ext cx="326571" cy="321124"/>
+            <a:off x="5800718" y="1930844"/>
+            <a:ext cx="326569" cy="231338"/>
           </a:xfrm>
           <a:prstGeom prst="bentConnector3">
             <a:avLst>
@@ -4451,44 +4307,9 @@
           <p:nvPr/>
         </p:nvCxnSpPr>
         <p:spPr>
-          <a:xfrm rot="5400000">
-            <a:off x="5829298" y="1959426"/>
-            <a:ext cx="326570" cy="174177"/>
-          </a:xfrm>
-          <a:prstGeom prst="bentConnector3">
-            <a:avLst>
-              <a:gd name="adj1" fmla="val 50000"/>
-            </a:avLst>
-          </a:prstGeom>
-        </p:spPr>
-        <p:style>
-          <a:lnRef idx="1">
-            <a:schemeClr val="accent1"/>
-          </a:lnRef>
-          <a:fillRef idx="0">
-            <a:schemeClr val="accent1"/>
-          </a:fillRef>
-          <a:effectRef idx="0">
-            <a:schemeClr val="accent1"/>
-          </a:effectRef>
-          <a:fontRef idx="minor">
-            <a:schemeClr val="tx1"/>
-          </a:fontRef>
-        </p:style>
-      </p:cxnSp>
-      <p:cxnSp>
-        <p:nvCxnSpPr>
-          <p:cNvPr id="38" name="肘形连接符 37"/>
-          <p:cNvCxnSpPr>
-            <a:stCxn id="9" idx="2"/>
-            <a:endCxn id="23" idx="0"/>
-          </p:cNvCxnSpPr>
-          <p:nvPr/>
-        </p:nvCxnSpPr>
-        <p:spPr>
           <a:xfrm rot="16200000" flipH="1">
-            <a:off x="6313713" y="1649187"/>
-            <a:ext cx="326570" cy="794654"/>
+            <a:off x="6057894" y="1905005"/>
+            <a:ext cx="326570" cy="283017"/>
           </a:xfrm>
           <a:prstGeom prst="bentConnector3">
             <a:avLst>
@@ -5071,7 +4892,7 @@
             <a:pPr algn="ctr"/>
             <a:r>
               <a:rPr lang="zh-CN" altLang="en-US" dirty="0" smtClean="0"/>
-              <a:t>系统平台业务处理服务</a:t>
+              <a:t>服务器和客户端交互</a:t>
             </a:r>
             <a:endParaRPr lang="zh-CN" altLang="en-US" dirty="0"/>
           </a:p>
@@ -5164,7 +4985,7 @@
             <a:pPr algn="ctr"/>
             <a:r>
               <a:rPr lang="zh-CN" altLang="en-US" dirty="0" smtClean="0"/>
-              <a:t>基础数据存储</a:t>
+              <a:t>客户信息展示</a:t>
             </a:r>
             <a:endParaRPr lang="zh-CN" altLang="en-US" dirty="0"/>
           </a:p>
@@ -5211,7 +5032,7 @@
             <a:pPr algn="ctr"/>
             <a:r>
               <a:rPr lang="zh-CN" altLang="en-US" dirty="0" smtClean="0"/>
-              <a:t>数据分析结果</a:t>
+              <a:t>频道音乐展示及播放</a:t>
             </a:r>
             <a:endParaRPr lang="zh-CN" altLang="en-US" dirty="0"/>
           </a:p>

--- a/doc/4、设计/架构图设计.pptx
+++ b/doc/4、设计/架构图设计.pptx
@@ -243,7 +243,7 @@
           <a:p>
             <a:fld id="{9C4FC859-AFC5-4596-8B4B-1B858FC8027D}" type="datetimeFigureOut">
               <a:rPr lang="zh-CN" altLang="en-US" smtClean="0"/>
-              <a:t>2016-12-7</a:t>
+              <a:t>2016-12-9</a:t>
             </a:fld>
             <a:endParaRPr lang="zh-CN" altLang="en-US"/>
           </a:p>
@@ -413,7 +413,7 @@
           <a:p>
             <a:fld id="{9C4FC859-AFC5-4596-8B4B-1B858FC8027D}" type="datetimeFigureOut">
               <a:rPr lang="zh-CN" altLang="en-US" smtClean="0"/>
-              <a:t>2016-12-7</a:t>
+              <a:t>2016-12-9</a:t>
             </a:fld>
             <a:endParaRPr lang="zh-CN" altLang="en-US"/>
           </a:p>
@@ -593,7 +593,7 @@
           <a:p>
             <a:fld id="{9C4FC859-AFC5-4596-8B4B-1B858FC8027D}" type="datetimeFigureOut">
               <a:rPr lang="zh-CN" altLang="en-US" smtClean="0"/>
-              <a:t>2016-12-7</a:t>
+              <a:t>2016-12-9</a:t>
             </a:fld>
             <a:endParaRPr lang="zh-CN" altLang="en-US"/>
           </a:p>
@@ -763,7 +763,7 @@
           <a:p>
             <a:fld id="{9C4FC859-AFC5-4596-8B4B-1B858FC8027D}" type="datetimeFigureOut">
               <a:rPr lang="zh-CN" altLang="en-US" smtClean="0"/>
-              <a:t>2016-12-7</a:t>
+              <a:t>2016-12-9</a:t>
             </a:fld>
             <a:endParaRPr lang="zh-CN" altLang="en-US"/>
           </a:p>
@@ -1009,7 +1009,7 @@
           <a:p>
             <a:fld id="{9C4FC859-AFC5-4596-8B4B-1B858FC8027D}" type="datetimeFigureOut">
               <a:rPr lang="zh-CN" altLang="en-US" smtClean="0"/>
-              <a:t>2016-12-7</a:t>
+              <a:t>2016-12-9</a:t>
             </a:fld>
             <a:endParaRPr lang="zh-CN" altLang="en-US"/>
           </a:p>
@@ -1241,7 +1241,7 @@
           <a:p>
             <a:fld id="{9C4FC859-AFC5-4596-8B4B-1B858FC8027D}" type="datetimeFigureOut">
               <a:rPr lang="zh-CN" altLang="en-US" smtClean="0"/>
-              <a:t>2016-12-7</a:t>
+              <a:t>2016-12-9</a:t>
             </a:fld>
             <a:endParaRPr lang="zh-CN" altLang="en-US"/>
           </a:p>
@@ -1608,7 +1608,7 @@
           <a:p>
             <a:fld id="{9C4FC859-AFC5-4596-8B4B-1B858FC8027D}" type="datetimeFigureOut">
               <a:rPr lang="zh-CN" altLang="en-US" smtClean="0"/>
-              <a:t>2016-12-7</a:t>
+              <a:t>2016-12-9</a:t>
             </a:fld>
             <a:endParaRPr lang="zh-CN" altLang="en-US"/>
           </a:p>
@@ -1726,7 +1726,7 @@
           <a:p>
             <a:fld id="{9C4FC859-AFC5-4596-8B4B-1B858FC8027D}" type="datetimeFigureOut">
               <a:rPr lang="zh-CN" altLang="en-US" smtClean="0"/>
-              <a:t>2016-12-7</a:t>
+              <a:t>2016-12-9</a:t>
             </a:fld>
             <a:endParaRPr lang="zh-CN" altLang="en-US"/>
           </a:p>
@@ -1821,7 +1821,7 @@
           <a:p>
             <a:fld id="{9C4FC859-AFC5-4596-8B4B-1B858FC8027D}" type="datetimeFigureOut">
               <a:rPr lang="zh-CN" altLang="en-US" smtClean="0"/>
-              <a:t>2016-12-7</a:t>
+              <a:t>2016-12-9</a:t>
             </a:fld>
             <a:endParaRPr lang="zh-CN" altLang="en-US"/>
           </a:p>
@@ -2098,7 +2098,7 @@
           <a:p>
             <a:fld id="{9C4FC859-AFC5-4596-8B4B-1B858FC8027D}" type="datetimeFigureOut">
               <a:rPr lang="zh-CN" altLang="en-US" smtClean="0"/>
-              <a:t>2016-12-7</a:t>
+              <a:t>2016-12-9</a:t>
             </a:fld>
             <a:endParaRPr lang="zh-CN" altLang="en-US"/>
           </a:p>
@@ -2351,7 +2351,7 @@
           <a:p>
             <a:fld id="{9C4FC859-AFC5-4596-8B4B-1B858FC8027D}" type="datetimeFigureOut">
               <a:rPr lang="zh-CN" altLang="en-US" smtClean="0"/>
-              <a:t>2016-12-7</a:t>
+              <a:t>2016-12-9</a:t>
             </a:fld>
             <a:endParaRPr lang="zh-CN" altLang="en-US"/>
           </a:p>
@@ -2564,7 +2564,7 @@
           <a:p>
             <a:fld id="{9C4FC859-AFC5-4596-8B4B-1B858FC8027D}" type="datetimeFigureOut">
               <a:rPr lang="zh-CN" altLang="en-US" smtClean="0"/>
-              <a:t>2016-12-7</a:t>
+              <a:t>2016-12-9</a:t>
             </a:fld>
             <a:endParaRPr lang="zh-CN" altLang="en-US"/>
           </a:p>
@@ -4078,11 +4078,6 @@
                 </a:rPr>
                 <a:t>日志管理</a:t>
               </a:r>
-              <a:endParaRPr lang="zh-CN" altLang="en-US" dirty="0">
-                <a:solidFill>
-                  <a:schemeClr val="tx1"/>
-                </a:solidFill>
-              </a:endParaRPr>
             </a:p>
           </p:txBody>
         </p:sp>
@@ -5079,7 +5074,7 @@
             <a:pPr algn="ctr"/>
             <a:r>
               <a:rPr lang="zh-CN" altLang="en-US" dirty="0" smtClean="0"/>
-              <a:t>系统文件存储</a:t>
+              <a:t>本地数据处理</a:t>
             </a:r>
             <a:endParaRPr lang="zh-CN" altLang="en-US" dirty="0"/>
           </a:p>
@@ -5093,7 +5088,7 @@
         </p:nvSpPr>
         <p:spPr>
           <a:xfrm rot="10800000">
-            <a:off x="5835425" y="5285018"/>
+            <a:off x="4572681" y="5285018"/>
             <a:ext cx="326574" cy="277589"/>
           </a:xfrm>
           <a:prstGeom prst="downArrow">
@@ -5133,7 +5128,7 @@
         </p:nvSpPr>
         <p:spPr>
           <a:xfrm rot="10800000">
-            <a:off x="5829296" y="4351563"/>
+            <a:off x="4565178" y="4329804"/>
             <a:ext cx="326574" cy="277589"/>
           </a:xfrm>
           <a:prstGeom prst="downArrow">
@@ -5173,7 +5168,127 @@
         </p:nvSpPr>
         <p:spPr>
           <a:xfrm rot="10800000">
-            <a:off x="5829296" y="1012373"/>
+            <a:off x="5003316" y="998751"/>
+            <a:ext cx="326574" cy="277589"/>
+          </a:xfrm>
+          <a:prstGeom prst="downArrow">
+            <a:avLst/>
+          </a:prstGeom>
+        </p:spPr>
+        <p:style>
+          <a:lnRef idx="2">
+            <a:schemeClr val="accent1">
+              <a:shade val="50000"/>
+            </a:schemeClr>
+          </a:lnRef>
+          <a:fillRef idx="1">
+            <a:schemeClr val="accent1"/>
+          </a:fillRef>
+          <a:effectRef idx="0">
+            <a:schemeClr val="accent1"/>
+          </a:effectRef>
+          <a:fontRef idx="minor">
+            <a:schemeClr val="lt1"/>
+          </a:fontRef>
+        </p:style>
+        <p:txBody>
+          <a:bodyPr rtlCol="0" anchor="ctr"/>
+          <a:lstStyle/>
+          <a:p>
+            <a:pPr algn="ctr"/>
+            <a:endParaRPr lang="zh-CN" altLang="en-US"/>
+          </a:p>
+        </p:txBody>
+      </p:sp>
+      <p:sp>
+        <p:nvSpPr>
+          <p:cNvPr id="55" name="下箭头 54"/>
+          <p:cNvSpPr/>
+          <p:nvPr/>
+        </p:nvSpPr>
+        <p:spPr>
+          <a:xfrm>
+            <a:off x="7565570" y="5295902"/>
+            <a:ext cx="326574" cy="277589"/>
+          </a:xfrm>
+          <a:prstGeom prst="downArrow">
+            <a:avLst/>
+          </a:prstGeom>
+        </p:spPr>
+        <p:style>
+          <a:lnRef idx="2">
+            <a:schemeClr val="accent1">
+              <a:shade val="50000"/>
+            </a:schemeClr>
+          </a:lnRef>
+          <a:fillRef idx="1">
+            <a:schemeClr val="accent1"/>
+          </a:fillRef>
+          <a:effectRef idx="0">
+            <a:schemeClr val="accent1"/>
+          </a:effectRef>
+          <a:fontRef idx="minor">
+            <a:schemeClr val="lt1"/>
+          </a:fontRef>
+        </p:style>
+        <p:txBody>
+          <a:bodyPr rtlCol="0" anchor="ctr"/>
+          <a:lstStyle/>
+          <a:p>
+            <a:pPr algn="ctr"/>
+            <a:endParaRPr lang="zh-CN" altLang="en-US"/>
+          </a:p>
+        </p:txBody>
+      </p:sp>
+      <p:sp>
+        <p:nvSpPr>
+          <p:cNvPr id="65" name="下箭头 64"/>
+          <p:cNvSpPr/>
+          <p:nvPr/>
+        </p:nvSpPr>
+        <p:spPr>
+          <a:xfrm>
+            <a:off x="7565557" y="4351563"/>
+            <a:ext cx="326574" cy="277589"/>
+          </a:xfrm>
+          <a:prstGeom prst="downArrow">
+            <a:avLst/>
+          </a:prstGeom>
+        </p:spPr>
+        <p:style>
+          <a:lnRef idx="2">
+            <a:schemeClr val="accent1">
+              <a:shade val="50000"/>
+            </a:schemeClr>
+          </a:lnRef>
+          <a:fillRef idx="1">
+            <a:schemeClr val="accent1"/>
+          </a:fillRef>
+          <a:effectRef idx="0">
+            <a:schemeClr val="accent1"/>
+          </a:effectRef>
+          <a:fontRef idx="minor">
+            <a:schemeClr val="lt1"/>
+          </a:fontRef>
+        </p:style>
+        <p:txBody>
+          <a:bodyPr rtlCol="0" anchor="ctr"/>
+          <a:lstStyle/>
+          <a:p>
+            <a:pPr algn="ctr"/>
+            <a:endParaRPr lang="zh-CN" altLang="en-US"/>
+          </a:p>
+        </p:txBody>
+      </p:sp>
+      <p:sp>
+        <p:nvSpPr>
+          <p:cNvPr id="66" name="下箭头 65"/>
+          <p:cNvSpPr/>
+          <p:nvPr/>
+        </p:nvSpPr>
+        <p:spPr>
+          <a:xfrm>
+            <a:off x="6988627" y="1025967"/>
             <a:ext cx="326574" cy="277589"/>
           </a:xfrm>
           <a:prstGeom prst="downArrow">
